--- a/Diaporama.pptx
+++ b/Diaporama.pptx
@@ -27,12 +27,12 @@
   <p:notesSz cx="6858000" cy="9144000"/>
   <p:embeddedFontLst>
     <p:embeddedFont>
-      <p:font typeface="Encode Sans" panose="020B0604020202020204" charset="0"/>
+      <p:font typeface="Encode Sans Condensed Thin" panose="020B0604020202020204" charset="0"/>
       <p:regular r:id="rId17"/>
       <p:bold r:id="rId18"/>
     </p:embeddedFont>
     <p:embeddedFont>
-      <p:font typeface="Encode Sans Condensed Thin" panose="020B0604020202020204" charset="0"/>
+      <p:font typeface="Encode Sans" panose="020B0604020202020204" charset="0"/>
       <p:regular r:id="rId19"/>
       <p:bold r:id="rId20"/>
     </p:embeddedFont>
@@ -4813,7 +4813,7 @@
             <a:pPr lvl="0"/>
             <a:r>
               <a:rPr lang="en" dirty="0" smtClean="0"/>
-              <a:t>QUIZZ </a:t>
+              <a:t>QUIZ </a:t>
             </a:r>
             <a:r>
               <a:rPr lang="fr-FR" dirty="0"/>
@@ -5632,11 +5632,11 @@
   <p:clrMapOvr>
     <a:masterClrMapping/>
   </p:clrMapOvr>
-  <mc:AlternateContent xmlns:mc="http://schemas.openxmlformats.org/markup-compatibility/2006">
-    <mc:Choice xmlns:p14="http://schemas.microsoft.com/office/powerpoint/2010/main" Requires="p14">
+  <mc:AlternateContent xmlns:mc="http://schemas.openxmlformats.org/markup-compatibility/2006" xmlns:p14="http://schemas.microsoft.com/office/powerpoint/2010/main">
+    <mc:Choice Requires="p14">
       <p:transition p14:dur="0"/>
     </mc:Choice>
-    <mc:Fallback>
+    <mc:Fallback xmlns="">
       <p:transition/>
     </mc:Fallback>
   </mc:AlternateContent>
@@ -5785,13 +5785,13 @@
   <p:clrMapOvr>
     <a:masterClrMapping/>
   </p:clrMapOvr>
-  <mc:AlternateContent xmlns:mc="http://schemas.openxmlformats.org/markup-compatibility/2006">
-    <mc:Choice xmlns:p14="http://schemas.microsoft.com/office/powerpoint/2010/main" Requires="p14">
+  <mc:AlternateContent xmlns:mc="http://schemas.openxmlformats.org/markup-compatibility/2006" xmlns:p14="http://schemas.microsoft.com/office/powerpoint/2010/main">
+    <mc:Choice Requires="p14">
       <p:transition spd="med" p14:dur="700">
         <p:fade/>
       </p:transition>
     </mc:Choice>
-    <mc:Fallback>
+    <mc:Fallback xmlns="">
       <p:transition spd="med">
         <p:fade/>
       </p:transition>
@@ -6052,13 +6052,13 @@
   <p:clrMapOvr>
     <a:masterClrMapping/>
   </p:clrMapOvr>
-  <mc:AlternateContent xmlns:mc="http://schemas.openxmlformats.org/markup-compatibility/2006">
-    <mc:Choice xmlns:p14="http://schemas.microsoft.com/office/powerpoint/2010/main" Requires="p14">
+  <mc:AlternateContent xmlns:mc="http://schemas.openxmlformats.org/markup-compatibility/2006" xmlns:p14="http://schemas.microsoft.com/office/powerpoint/2010/main">
+    <mc:Choice Requires="p14">
       <p:transition spd="slow" p14:dur="1400">
         <p14:ripple/>
       </p:transition>
     </mc:Choice>
-    <mc:Fallback>
+    <mc:Fallback xmlns="">
       <p:transition spd="slow">
         <p:fade/>
       </p:transition>
@@ -7470,13 +7470,13 @@
   <p:clrMapOvr>
     <a:masterClrMapping/>
   </p:clrMapOvr>
-  <mc:AlternateContent xmlns:mc="http://schemas.openxmlformats.org/markup-compatibility/2006">
-    <mc:Choice xmlns:p14="http://schemas.microsoft.com/office/powerpoint/2010/main" Requires="p14">
+  <mc:AlternateContent xmlns:mc="http://schemas.openxmlformats.org/markup-compatibility/2006" xmlns:p14="http://schemas.microsoft.com/office/powerpoint/2010/main">
+    <mc:Choice Requires="p14">
       <p:transition spd="slow" p14:dur="1500">
         <p:split orient="vert"/>
       </p:transition>
     </mc:Choice>
-    <mc:Fallback>
+    <mc:Fallback xmlns="">
       <p:transition spd="slow">
         <p:split orient="vert"/>
       </p:transition>
@@ -8208,13 +8208,13 @@
   <p:clrMapOvr>
     <a:masterClrMapping/>
   </p:clrMapOvr>
-  <mc:AlternateContent xmlns:mc="http://schemas.openxmlformats.org/markup-compatibility/2006">
-    <mc:Choice xmlns:p14="http://schemas.microsoft.com/office/powerpoint/2010/main" Requires="p14">
+  <mc:AlternateContent xmlns:mc="http://schemas.openxmlformats.org/markup-compatibility/2006" xmlns:p14="http://schemas.microsoft.com/office/powerpoint/2010/main">
+    <mc:Choice Requires="p14">
       <p:transition spd="slow" p14:dur="1400">
         <p14:ripple/>
       </p:transition>
     </mc:Choice>
-    <mc:Fallback>
+    <mc:Fallback xmlns="">
       <p:transition spd="slow">
         <p:fade/>
       </p:transition>
@@ -8330,13 +8330,13 @@
   <p:clrMapOvr>
     <a:masterClrMapping/>
   </p:clrMapOvr>
-  <mc:AlternateContent xmlns:mc="http://schemas.openxmlformats.org/markup-compatibility/2006">
-    <mc:Choice xmlns:p14="http://schemas.microsoft.com/office/powerpoint/2010/main" Requires="p14">
+  <mc:AlternateContent xmlns:mc="http://schemas.openxmlformats.org/markup-compatibility/2006" xmlns:p14="http://schemas.microsoft.com/office/powerpoint/2010/main">
+    <mc:Choice Requires="p14">
       <p:transition spd="slow" p14:dur="1200">
         <p14:prism/>
       </p:transition>
     </mc:Choice>
-    <mc:Fallback>
+    <mc:Fallback xmlns="">
       <p:transition spd="slow">
         <p:fade/>
       </p:transition>
@@ -9257,13 +9257,13 @@
   <p:clrMapOvr>
     <a:masterClrMapping/>
   </p:clrMapOvr>
-  <mc:AlternateContent xmlns:mc="http://schemas.openxmlformats.org/markup-compatibility/2006">
-    <mc:Choice xmlns:p14="http://schemas.microsoft.com/office/powerpoint/2010/main" Requires="p14">
+  <mc:AlternateContent xmlns:mc="http://schemas.openxmlformats.org/markup-compatibility/2006" xmlns:p14="http://schemas.microsoft.com/office/powerpoint/2010/main">
+    <mc:Choice Requires="p14">
       <p:transition spd="slow" p14:dur="1400">
         <p14:ripple/>
       </p:transition>
     </mc:Choice>
-    <mc:Fallback>
+    <mc:Fallback xmlns="">
       <p:transition spd="slow">
         <p:fade/>
       </p:transition>
@@ -9425,13 +9425,13 @@
   <p:clrMapOvr>
     <a:masterClrMapping/>
   </p:clrMapOvr>
-  <mc:AlternateContent xmlns:mc="http://schemas.openxmlformats.org/markup-compatibility/2006">
-    <mc:Choice xmlns:p14="http://schemas.microsoft.com/office/powerpoint/2010/main" Requires="p14">
+  <mc:AlternateContent xmlns:mc="http://schemas.openxmlformats.org/markup-compatibility/2006" xmlns:p14="http://schemas.microsoft.com/office/powerpoint/2010/main">
+    <mc:Choice Requires="p14">
       <p:transition spd="med" p14:dur="700">
         <p:fade/>
       </p:transition>
     </mc:Choice>
-    <mc:Fallback>
+    <mc:Fallback xmlns="">
       <p:transition spd="med">
         <p:fade/>
       </p:transition>
@@ -9590,13 +9590,13 @@
   <p:clrMapOvr>
     <a:masterClrMapping/>
   </p:clrMapOvr>
-  <mc:AlternateContent xmlns:mc="http://schemas.openxmlformats.org/markup-compatibility/2006">
-    <mc:Choice xmlns:p14="http://schemas.microsoft.com/office/powerpoint/2010/main" Requires="p14">
+  <mc:AlternateContent xmlns:mc="http://schemas.openxmlformats.org/markup-compatibility/2006" xmlns:p14="http://schemas.microsoft.com/office/powerpoint/2010/main">
+    <mc:Choice Requires="p14">
       <p:transition spd="med" p14:dur="700">
         <p:fade/>
       </p:transition>
     </mc:Choice>
-    <mc:Fallback>
+    <mc:Fallback xmlns="">
       <p:transition spd="med">
         <p:fade/>
       </p:transition>
@@ -9750,13 +9750,13 @@
   <p:clrMapOvr>
     <a:masterClrMapping/>
   </p:clrMapOvr>
-  <mc:AlternateContent xmlns:mc="http://schemas.openxmlformats.org/markup-compatibility/2006">
-    <mc:Choice xmlns:p14="http://schemas.microsoft.com/office/powerpoint/2010/main" Requires="p14">
+  <mc:AlternateContent xmlns:mc="http://schemas.openxmlformats.org/markup-compatibility/2006" xmlns:p14="http://schemas.microsoft.com/office/powerpoint/2010/main">
+    <mc:Choice Requires="p14">
       <p:transition spd="med" p14:dur="700">
         <p:fade/>
       </p:transition>
     </mc:Choice>
-    <mc:Fallback>
+    <mc:Fallback xmlns="">
       <p:transition spd="med">
         <p:fade/>
       </p:transition>
@@ -9863,7 +9863,6 @@
               <a:rPr lang="fr-FR" dirty="0"/>
               <a:t>Vérification des réponses des utilisateurs et incrémentation du score</a:t>
             </a:r>
-            <a:endParaRPr lang="fr-FR" dirty="0"/>
           </a:p>
         </p:txBody>
       </p:sp>
@@ -9906,13 +9905,13 @@
   <p:clrMapOvr>
     <a:masterClrMapping/>
   </p:clrMapOvr>
-  <mc:AlternateContent xmlns:mc="http://schemas.openxmlformats.org/markup-compatibility/2006">
-    <mc:Choice xmlns:p14="http://schemas.microsoft.com/office/powerpoint/2010/main" Requires="p14">
+  <mc:AlternateContent xmlns:mc="http://schemas.openxmlformats.org/markup-compatibility/2006" xmlns:p14="http://schemas.microsoft.com/office/powerpoint/2010/main">
+    <mc:Choice Requires="p14">
       <p:transition spd="med" p14:dur="700">
         <p:fade/>
       </p:transition>
     </mc:Choice>
-    <mc:Fallback>
+    <mc:Fallback xmlns="">
       <p:transition spd="med">
         <p:fade/>
       </p:transition>
